--- a/cn.edu.thu.tsmart.tool.da/doc/indexPage/fig/table-figs.pptx
+++ b/cn.edu.thu.tsmart.tool.da/doc/indexPage/fig/table-figs.pptx
@@ -106,6 +106,11 @@
       </a:defRPr>
     </a:lvl9pPr>
   </p:defaultTextStyle>
+  <p:extLst>
+    <p:ext uri="{EFAFB233-063F-42B5-8137-9DF3F51BA10A}">
+      <p15:sldGuideLst xmlns:p15="http://schemas.microsoft.com/office/powerpoint/2012/main"/>
+    </p:ext>
+  </p:extLst>
 </p:presentation>
 </file>
 
@@ -240,7 +245,7 @@
           <a:p>
             <a:fld id="{EAFE2BEC-5A98-4A7E-B6D7-48EE13AF1C0E}" type="datetimeFigureOut">
               <a:rPr lang="en-US" smtClean="0"/>
-              <a:t>11/6/2016</a:t>
+              <a:t>11/7/2016</a:t>
             </a:fld>
             <a:endParaRPr lang="en-US"/>
           </a:p>
@@ -410,7 +415,7 @@
           <a:p>
             <a:fld id="{EAFE2BEC-5A98-4A7E-B6D7-48EE13AF1C0E}" type="datetimeFigureOut">
               <a:rPr lang="en-US" smtClean="0"/>
-              <a:t>11/6/2016</a:t>
+              <a:t>11/7/2016</a:t>
             </a:fld>
             <a:endParaRPr lang="en-US"/>
           </a:p>
@@ -590,7 +595,7 @@
           <a:p>
             <a:fld id="{EAFE2BEC-5A98-4A7E-B6D7-48EE13AF1C0E}" type="datetimeFigureOut">
               <a:rPr lang="en-US" smtClean="0"/>
-              <a:t>11/6/2016</a:t>
+              <a:t>11/7/2016</a:t>
             </a:fld>
             <a:endParaRPr lang="en-US"/>
           </a:p>
@@ -760,7 +765,7 @@
           <a:p>
             <a:fld id="{EAFE2BEC-5A98-4A7E-B6D7-48EE13AF1C0E}" type="datetimeFigureOut">
               <a:rPr lang="en-US" smtClean="0"/>
-              <a:t>11/6/2016</a:t>
+              <a:t>11/7/2016</a:t>
             </a:fld>
             <a:endParaRPr lang="en-US"/>
           </a:p>
@@ -1006,7 +1011,7 @@
           <a:p>
             <a:fld id="{EAFE2BEC-5A98-4A7E-B6D7-48EE13AF1C0E}" type="datetimeFigureOut">
               <a:rPr lang="en-US" smtClean="0"/>
-              <a:t>11/6/2016</a:t>
+              <a:t>11/7/2016</a:t>
             </a:fld>
             <a:endParaRPr lang="en-US"/>
           </a:p>
@@ -1238,7 +1243,7 @@
           <a:p>
             <a:fld id="{EAFE2BEC-5A98-4A7E-B6D7-48EE13AF1C0E}" type="datetimeFigureOut">
               <a:rPr lang="en-US" smtClean="0"/>
-              <a:t>11/6/2016</a:t>
+              <a:t>11/7/2016</a:t>
             </a:fld>
             <a:endParaRPr lang="en-US"/>
           </a:p>
@@ -1605,7 +1610,7 @@
           <a:p>
             <a:fld id="{EAFE2BEC-5A98-4A7E-B6D7-48EE13AF1C0E}" type="datetimeFigureOut">
               <a:rPr lang="en-US" smtClean="0"/>
-              <a:t>11/6/2016</a:t>
+              <a:t>11/7/2016</a:t>
             </a:fld>
             <a:endParaRPr lang="en-US"/>
           </a:p>
@@ -1723,7 +1728,7 @@
           <a:p>
             <a:fld id="{EAFE2BEC-5A98-4A7E-B6D7-48EE13AF1C0E}" type="datetimeFigureOut">
               <a:rPr lang="en-US" smtClean="0"/>
-              <a:t>11/6/2016</a:t>
+              <a:t>11/7/2016</a:t>
             </a:fld>
             <a:endParaRPr lang="en-US"/>
           </a:p>
@@ -1818,7 +1823,7 @@
           <a:p>
             <a:fld id="{EAFE2BEC-5A98-4A7E-B6D7-48EE13AF1C0E}" type="datetimeFigureOut">
               <a:rPr lang="en-US" smtClean="0"/>
-              <a:t>11/6/2016</a:t>
+              <a:t>11/7/2016</a:t>
             </a:fld>
             <a:endParaRPr lang="en-US"/>
           </a:p>
@@ -2095,7 +2100,7 @@
           <a:p>
             <a:fld id="{EAFE2BEC-5A98-4A7E-B6D7-48EE13AF1C0E}" type="datetimeFigureOut">
               <a:rPr lang="en-US" smtClean="0"/>
-              <a:t>11/6/2016</a:t>
+              <a:t>11/7/2016</a:t>
             </a:fld>
             <a:endParaRPr lang="en-US"/>
           </a:p>
@@ -2348,7 +2353,7 @@
           <a:p>
             <a:fld id="{EAFE2BEC-5A98-4A7E-B6D7-48EE13AF1C0E}" type="datetimeFigureOut">
               <a:rPr lang="en-US" smtClean="0"/>
-              <a:t>11/6/2016</a:t>
+              <a:t>11/7/2016</a:t>
             </a:fld>
             <a:endParaRPr lang="en-US"/>
           </a:p>
@@ -2561,7 +2566,7 @@
           <a:p>
             <a:fld id="{EAFE2BEC-5A98-4A7E-B6D7-48EE13AF1C0E}" type="datetimeFigureOut">
               <a:rPr lang="en-US" smtClean="0"/>
-              <a:t>11/6/2016</a:t>
+              <a:t>11/7/2016</a:t>
             </a:fld>
             <a:endParaRPr lang="en-US"/>
           </a:p>
@@ -2975,34 +2980,34 @@
           <p:nvPr>
             <p:extLst>
               <p:ext uri="{D42A27DB-BD31-4B8C-83A1-F6EECF244321}">
-                <p14:modId xmlns:p14="http://schemas.microsoft.com/office/powerpoint/2010/main" val="3533983197"/>
+                <p14:modId xmlns:p14="http://schemas.microsoft.com/office/powerpoint/2010/main" val="923781638"/>
               </p:ext>
             </p:extLst>
           </p:nvPr>
         </p:nvGraphicFramePr>
         <p:xfrm>
           <a:off x="0" y="0"/>
-          <a:ext cx="11777478" cy="6837245"/>
+          <a:ext cx="12192004" cy="6837245"/>
         </p:xfrm>
         <a:graphic>
           <a:graphicData uri="http://schemas.openxmlformats.org/drawingml/2006/table">
             <a:tbl>
               <a:tblPr/>
               <a:tblGrid>
-                <a:gridCol w="1635966"/>
-                <a:gridCol w="748624"/>
-                <a:gridCol w="748624"/>
-                <a:gridCol w="748624"/>
-                <a:gridCol w="748624"/>
-                <a:gridCol w="748624"/>
-                <a:gridCol w="748624"/>
-                <a:gridCol w="748624"/>
-                <a:gridCol w="783714"/>
-                <a:gridCol w="964872"/>
-                <a:gridCol w="906686"/>
-                <a:gridCol w="748624"/>
-                <a:gridCol w="748624"/>
-                <a:gridCol w="748624"/>
+                <a:gridCol w="1693546"/>
+                <a:gridCol w="774973"/>
+                <a:gridCol w="774973"/>
+                <a:gridCol w="774973"/>
+                <a:gridCol w="774973"/>
+                <a:gridCol w="774973"/>
+                <a:gridCol w="774973"/>
+                <a:gridCol w="774973"/>
+                <a:gridCol w="811298"/>
+                <a:gridCol w="885161"/>
+                <a:gridCol w="813816"/>
+                <a:gridCol w="795528"/>
+                <a:gridCol w="950976"/>
+                <a:gridCol w="816868"/>
               </a:tblGrid>
               <a:tr h="217645">
                 <a:tc rowSpan="2">
@@ -6613,7 +6618,7 @@
                     <a:p>
                       <a:pPr algn="l" fontAlgn="b"/>
                       <a:r>
-                        <a:rPr lang="en-US" sz="1400" b="0" i="0" u="none" strike="noStrike">
+                        <a:rPr lang="en-US" sz="1400" b="0" i="0" u="none" strike="noStrike" dirty="0">
                           <a:solidFill>
                             <a:srgbClr val="000000"/>
                           </a:solidFill>
@@ -9058,7 +9063,7 @@
                     <a:p>
                       <a:pPr algn="l" fontAlgn="b"/>
                       <a:r>
-                        <a:rPr lang="en-US" sz="1400" b="0" i="0" u="none" strike="noStrike">
+                        <a:rPr lang="en-US" sz="1400" b="0" i="0" u="none" strike="noStrike" dirty="0">
                           <a:solidFill>
                             <a:srgbClr val="000000"/>
                           </a:solidFill>
@@ -9286,7 +9291,7 @@
                     <a:p>
                       <a:pPr algn="r" fontAlgn="b"/>
                       <a:r>
-                        <a:rPr lang="en-US" sz="1400" b="0" i="0" u="none" strike="noStrike">
+                        <a:rPr lang="en-US" sz="1400" b="0" i="0" u="none" strike="noStrike" dirty="0">
                           <a:solidFill>
                             <a:srgbClr val="000000"/>
                           </a:solidFill>
@@ -23763,22 +23768,22 @@
           <p:nvPr>
             <p:extLst>
               <p:ext uri="{D42A27DB-BD31-4B8C-83A1-F6EECF244321}">
-                <p14:modId xmlns:p14="http://schemas.microsoft.com/office/powerpoint/2010/main" val="1791727056"/>
+                <p14:modId xmlns:p14="http://schemas.microsoft.com/office/powerpoint/2010/main" val="942005565"/>
               </p:ext>
             </p:extLst>
           </p:nvPr>
         </p:nvGraphicFramePr>
         <p:xfrm>
-          <a:off x="1389888" y="1874519"/>
-          <a:ext cx="9774936" cy="2825750"/>
+          <a:off x="0" y="1874519"/>
+          <a:ext cx="12192000" cy="2825750"/>
         </p:xfrm>
         <a:graphic>
           <a:graphicData uri="http://schemas.openxmlformats.org/drawingml/2006/table">
             <a:tbl>
               <a:tblPr/>
               <a:tblGrid>
-                <a:gridCol w="2147780"/>
-                <a:gridCol w="7627156"/>
+                <a:gridCol w="2688336"/>
+                <a:gridCol w="9503664"/>
               </a:tblGrid>
               <a:tr h="135085">
                 <a:tc>
@@ -23904,7 +23909,7 @@
                     <a:p>
                       <a:pPr algn="l" fontAlgn="b"/>
                       <a:r>
-                        <a:rPr lang="en-US" sz="1400" b="0" i="0" u="none" strike="noStrike">
+                        <a:rPr lang="en-US" sz="1400" b="0" i="0" u="none" strike="noStrike" dirty="0">
                           <a:solidFill>
                             <a:srgbClr val="000000"/>
                           </a:solidFill>
@@ -24136,7 +24141,7 @@
                     <a:p>
                       <a:pPr algn="l" fontAlgn="b"/>
                       <a:r>
-                        <a:rPr lang="en-US" sz="1400" b="0" i="0" u="none" strike="noStrike">
+                        <a:rPr lang="en-US" sz="1400" b="0" i="0" u="none" strike="noStrike" dirty="0">
                           <a:solidFill>
                             <a:srgbClr val="000000"/>
                           </a:solidFill>
@@ -25120,23 +25125,23 @@
           <p:nvPr>
             <p:extLst>
               <p:ext uri="{D42A27DB-BD31-4B8C-83A1-F6EECF244321}">
-                <p14:modId xmlns:p14="http://schemas.microsoft.com/office/powerpoint/2010/main" val="571695120"/>
+                <p14:modId xmlns:p14="http://schemas.microsoft.com/office/powerpoint/2010/main" val="2594040005"/>
               </p:ext>
             </p:extLst>
           </p:nvPr>
         </p:nvGraphicFramePr>
         <p:xfrm>
           <a:off x="0" y="0"/>
-          <a:ext cx="7351776" cy="8158570"/>
+          <a:ext cx="12192000" cy="8158570"/>
         </p:xfrm>
         <a:graphic>
           <a:graphicData uri="http://schemas.openxmlformats.org/drawingml/2006/table">
             <a:tbl>
               <a:tblPr/>
               <a:tblGrid>
-                <a:gridCol w="1719072"/>
-                <a:gridCol w="2203704"/>
-                <a:gridCol w="3429000"/>
+                <a:gridCol w="2850866"/>
+                <a:gridCol w="3654567"/>
+                <a:gridCol w="5686567"/>
               </a:tblGrid>
               <a:tr h="184049">
                 <a:tc>

--- a/cn.edu.thu.tsmart.tool.da/doc/indexPage/fig/table-figs.pptx
+++ b/cn.edu.thu.tsmart.tool.da/doc/indexPage/fig/table-figs.pptx
@@ -245,7 +245,7 @@
           <a:p>
             <a:fld id="{EAFE2BEC-5A98-4A7E-B6D7-48EE13AF1C0E}" type="datetimeFigureOut">
               <a:rPr lang="en-US" smtClean="0"/>
-              <a:t>11/7/2016</a:t>
+              <a:t>11/16/2016</a:t>
             </a:fld>
             <a:endParaRPr lang="en-US"/>
           </a:p>
@@ -415,7 +415,7 @@
           <a:p>
             <a:fld id="{EAFE2BEC-5A98-4A7E-B6D7-48EE13AF1C0E}" type="datetimeFigureOut">
               <a:rPr lang="en-US" smtClean="0"/>
-              <a:t>11/7/2016</a:t>
+              <a:t>11/16/2016</a:t>
             </a:fld>
             <a:endParaRPr lang="en-US"/>
           </a:p>
@@ -595,7 +595,7 @@
           <a:p>
             <a:fld id="{EAFE2BEC-5A98-4A7E-B6D7-48EE13AF1C0E}" type="datetimeFigureOut">
               <a:rPr lang="en-US" smtClean="0"/>
-              <a:t>11/7/2016</a:t>
+              <a:t>11/16/2016</a:t>
             </a:fld>
             <a:endParaRPr lang="en-US"/>
           </a:p>
@@ -765,7 +765,7 @@
           <a:p>
             <a:fld id="{EAFE2BEC-5A98-4A7E-B6D7-48EE13AF1C0E}" type="datetimeFigureOut">
               <a:rPr lang="en-US" smtClean="0"/>
-              <a:t>11/7/2016</a:t>
+              <a:t>11/16/2016</a:t>
             </a:fld>
             <a:endParaRPr lang="en-US"/>
           </a:p>
@@ -1011,7 +1011,7 @@
           <a:p>
             <a:fld id="{EAFE2BEC-5A98-4A7E-B6D7-48EE13AF1C0E}" type="datetimeFigureOut">
               <a:rPr lang="en-US" smtClean="0"/>
-              <a:t>11/7/2016</a:t>
+              <a:t>11/16/2016</a:t>
             </a:fld>
             <a:endParaRPr lang="en-US"/>
           </a:p>
@@ -1243,7 +1243,7 @@
           <a:p>
             <a:fld id="{EAFE2BEC-5A98-4A7E-B6D7-48EE13AF1C0E}" type="datetimeFigureOut">
               <a:rPr lang="en-US" smtClean="0"/>
-              <a:t>11/7/2016</a:t>
+              <a:t>11/16/2016</a:t>
             </a:fld>
             <a:endParaRPr lang="en-US"/>
           </a:p>
@@ -1610,7 +1610,7 @@
           <a:p>
             <a:fld id="{EAFE2BEC-5A98-4A7E-B6D7-48EE13AF1C0E}" type="datetimeFigureOut">
               <a:rPr lang="en-US" smtClean="0"/>
-              <a:t>11/7/2016</a:t>
+              <a:t>11/16/2016</a:t>
             </a:fld>
             <a:endParaRPr lang="en-US"/>
           </a:p>
@@ -1728,7 +1728,7 @@
           <a:p>
             <a:fld id="{EAFE2BEC-5A98-4A7E-B6D7-48EE13AF1C0E}" type="datetimeFigureOut">
               <a:rPr lang="en-US" smtClean="0"/>
-              <a:t>11/7/2016</a:t>
+              <a:t>11/16/2016</a:t>
             </a:fld>
             <a:endParaRPr lang="en-US"/>
           </a:p>
@@ -1823,7 +1823,7 @@
           <a:p>
             <a:fld id="{EAFE2BEC-5A98-4A7E-B6D7-48EE13AF1C0E}" type="datetimeFigureOut">
               <a:rPr lang="en-US" smtClean="0"/>
-              <a:t>11/7/2016</a:t>
+              <a:t>11/16/2016</a:t>
             </a:fld>
             <a:endParaRPr lang="en-US"/>
           </a:p>
@@ -2100,7 +2100,7 @@
           <a:p>
             <a:fld id="{EAFE2BEC-5A98-4A7E-B6D7-48EE13AF1C0E}" type="datetimeFigureOut">
               <a:rPr lang="en-US" smtClean="0"/>
-              <a:t>11/7/2016</a:t>
+              <a:t>11/16/2016</a:t>
             </a:fld>
             <a:endParaRPr lang="en-US"/>
           </a:p>
@@ -2353,7 +2353,7 @@
           <a:p>
             <a:fld id="{EAFE2BEC-5A98-4A7E-B6D7-48EE13AF1C0E}" type="datetimeFigureOut">
               <a:rPr lang="en-US" smtClean="0"/>
-              <a:t>11/7/2016</a:t>
+              <a:t>11/16/2016</a:t>
             </a:fld>
             <a:endParaRPr lang="en-US"/>
           </a:p>
@@ -2566,7 +2566,7 @@
           <a:p>
             <a:fld id="{EAFE2BEC-5A98-4A7E-B6D7-48EE13AF1C0E}" type="datetimeFigureOut">
               <a:rPr lang="en-US" smtClean="0"/>
-              <a:t>11/7/2016</a:t>
+              <a:t>11/16/2016</a:t>
             </a:fld>
             <a:endParaRPr lang="en-US"/>
           </a:p>
@@ -4689,7 +4689,7 @@
                     <a:p>
                       <a:pPr algn="r" fontAlgn="b"/>
                       <a:r>
-                        <a:rPr lang="en-US" sz="1400" b="0" i="0" u="none" strike="noStrike">
+                        <a:rPr lang="en-US" sz="1400" b="0" i="0" u="none" strike="noStrike" dirty="0">
                           <a:solidFill>
                             <a:srgbClr val="000000"/>
                           </a:solidFill>
@@ -7134,7 +7134,7 @@
                     <a:p>
                       <a:pPr algn="r" fontAlgn="b"/>
                       <a:r>
-                        <a:rPr lang="en-US" sz="1400" b="0" i="0" u="none" strike="noStrike">
+                        <a:rPr lang="en-US" sz="1400" b="0" i="0" u="none" strike="noStrike" dirty="0">
                           <a:solidFill>
                             <a:srgbClr val="000000"/>
                           </a:solidFill>
@@ -7949,7 +7949,7 @@
                     <a:p>
                       <a:pPr algn="r" fontAlgn="b"/>
                       <a:r>
-                        <a:rPr lang="en-US" sz="1400" b="0" i="0" u="none" strike="noStrike">
+                        <a:rPr lang="en-US" sz="1400" b="0" i="0" u="none" strike="noStrike" dirty="0">
                           <a:solidFill>
                             <a:srgbClr val="000000"/>
                           </a:solidFill>
@@ -10394,7 +10394,7 @@
                     <a:p>
                       <a:pPr algn="r" fontAlgn="b"/>
                       <a:r>
-                        <a:rPr lang="en-US" sz="1400" b="0" i="0" u="none" strike="noStrike">
+                        <a:rPr lang="en-US" sz="1400" b="0" i="0" u="none" strike="noStrike" dirty="0">
                           <a:solidFill>
                             <a:srgbClr val="000000"/>
                           </a:solidFill>
@@ -10693,7 +10693,7 @@
                     <a:p>
                       <a:pPr algn="l" fontAlgn="b"/>
                       <a:r>
-                        <a:rPr lang="en-US" sz="1400" b="0" i="0" u="none" strike="noStrike">
+                        <a:rPr lang="en-US" sz="1400" b="0" i="0" u="none" strike="noStrike" dirty="0">
                           <a:solidFill>
                             <a:srgbClr val="000000"/>
                           </a:solidFill>
@@ -11209,7 +11209,7 @@
                     <a:p>
                       <a:pPr algn="r" fontAlgn="b"/>
                       <a:r>
-                        <a:rPr lang="en-US" sz="1400" b="0" i="0" u="none" strike="noStrike">
+                        <a:rPr lang="en-US" sz="1400" b="0" i="0" u="none" strike="noStrike" dirty="0">
                           <a:solidFill>
                             <a:srgbClr val="000000"/>
                           </a:solidFill>
@@ -11446,7 +11446,7 @@
                     <a:p>
                       <a:pPr algn="r" fontAlgn="b"/>
                       <a:r>
-                        <a:rPr lang="en-US" sz="1400" b="0" i="0" u="none" strike="noStrike">
+                        <a:rPr lang="en-US" sz="1400" b="0" i="0" u="none" strike="noStrike" dirty="0">
                           <a:solidFill>
                             <a:srgbClr val="000000"/>
                           </a:solidFill>
@@ -12024,7 +12024,7 @@
                     <a:p>
                       <a:pPr algn="r" fontAlgn="b"/>
                       <a:r>
-                        <a:rPr lang="en-US" sz="1400" b="0" i="0" u="none" strike="noStrike">
+                        <a:rPr lang="en-US" sz="1400" b="0" i="0" u="none" strike="noStrike" dirty="0">
                           <a:solidFill>
                             <a:srgbClr val="000000"/>
                           </a:solidFill>
@@ -12839,7 +12839,7 @@
                     <a:p>
                       <a:pPr algn="r" fontAlgn="b"/>
                       <a:r>
-                        <a:rPr lang="en-US" sz="1400" b="0" i="0" u="none" strike="noStrike">
+                        <a:rPr lang="en-US" sz="1400" b="0" i="0" u="none" strike="noStrike" dirty="0">
                           <a:solidFill>
                             <a:srgbClr val="000000"/>
                           </a:solidFill>
@@ -15284,7 +15284,7 @@
                     <a:p>
                       <a:pPr algn="r" fontAlgn="b"/>
                       <a:r>
-                        <a:rPr lang="en-US" sz="1400" b="0" i="0" u="none" strike="noStrike">
+                        <a:rPr lang="en-US" sz="1400" b="0" i="0" u="none" strike="noStrike" dirty="0">
                           <a:solidFill>
                             <a:srgbClr val="000000"/>
                           </a:solidFill>
@@ -16914,7 +16914,7 @@
                     <a:p>
                       <a:pPr algn="r" fontAlgn="b"/>
                       <a:r>
-                        <a:rPr lang="en-US" sz="1400" b="0" i="0" u="none" strike="noStrike">
+                        <a:rPr lang="en-US" sz="1400" b="0" i="0" u="none" strike="noStrike" dirty="0">
                           <a:solidFill>
                             <a:srgbClr val="000000"/>
                           </a:solidFill>
@@ -17729,7 +17729,7 @@
                     <a:p>
                       <a:pPr algn="r" fontAlgn="b"/>
                       <a:r>
-                        <a:rPr lang="en-US" sz="1400" b="0" i="0" u="none" strike="noStrike">
+                        <a:rPr lang="en-US" sz="1400" b="0" i="0" u="none" strike="noStrike" dirty="0">
                           <a:solidFill>
                             <a:srgbClr val="000000"/>
                           </a:solidFill>
@@ -18544,7 +18544,7 @@
                     <a:p>
                       <a:pPr algn="r" fontAlgn="b"/>
                       <a:r>
-                        <a:rPr lang="en-US" sz="1400" b="0" i="0" u="none" strike="noStrike">
+                        <a:rPr lang="en-US" sz="1400" b="0" i="0" u="none" strike="noStrike" dirty="0">
                           <a:solidFill>
                             <a:srgbClr val="000000"/>
                           </a:solidFill>
@@ -19359,7 +19359,7 @@
                     <a:p>
                       <a:pPr algn="r" fontAlgn="b"/>
                       <a:r>
-                        <a:rPr lang="en-US" sz="1400" b="0" i="0" u="none" strike="noStrike">
+                        <a:rPr lang="en-US" sz="1400" b="0" i="0" u="none" strike="noStrike" dirty="0">
                           <a:solidFill>
                             <a:srgbClr val="000000"/>
                           </a:solidFill>
@@ -20174,7 +20174,7 @@
                     <a:p>
                       <a:pPr algn="r" fontAlgn="b"/>
                       <a:r>
-                        <a:rPr lang="en-US" sz="1400" b="0" i="0" u="none" strike="noStrike">
+                        <a:rPr lang="en-US" sz="1400" b="0" i="0" u="none" strike="noStrike" dirty="0">
                           <a:solidFill>
                             <a:srgbClr val="000000"/>
                           </a:solidFill>
@@ -20989,7 +20989,7 @@
                     <a:p>
                       <a:pPr algn="r" fontAlgn="b"/>
                       <a:r>
-                        <a:rPr lang="en-US" sz="1400" b="0" i="0" u="none" strike="noStrike">
+                        <a:rPr lang="en-US" sz="1400" b="0" i="0" u="none" strike="noStrike" dirty="0">
                           <a:solidFill>
                             <a:srgbClr val="000000"/>
                           </a:solidFill>
@@ -21804,7 +21804,7 @@
                     <a:p>
                       <a:pPr algn="r" fontAlgn="b"/>
                       <a:r>
-                        <a:rPr lang="en-US" sz="1400" b="0" i="0" u="none" strike="noStrike">
+                        <a:rPr lang="en-US" sz="1400" b="0" i="0" u="none" strike="noStrike" dirty="0">
                           <a:solidFill>
                             <a:srgbClr val="000000"/>
                           </a:solidFill>
@@ -22619,7 +22619,7 @@
                     <a:p>
                       <a:pPr algn="r" fontAlgn="b"/>
                       <a:r>
-                        <a:rPr lang="en-US" sz="1400" b="0" i="0" u="none" strike="noStrike">
+                        <a:rPr lang="en-US" sz="1400" b="0" i="0" u="none" strike="noStrike" dirty="0">
                           <a:solidFill>
                             <a:srgbClr val="000000"/>
                           </a:solidFill>
@@ -23434,7 +23434,7 @@
                     <a:p>
                       <a:pPr algn="r" fontAlgn="b"/>
                       <a:r>
-                        <a:rPr lang="en-US" sz="1400" b="0" i="0" u="none" strike="noStrike">
+                        <a:rPr lang="en-US" sz="1400" b="0" i="0" u="none" strike="noStrike" dirty="0">
                           <a:solidFill>
                             <a:srgbClr val="000000"/>
                           </a:solidFill>
@@ -23768,7 +23768,7 @@
           <p:nvPr>
             <p:extLst>
               <p:ext uri="{D42A27DB-BD31-4B8C-83A1-F6EECF244321}">
-                <p14:modId xmlns:p14="http://schemas.microsoft.com/office/powerpoint/2010/main" val="942005565"/>
+                <p14:modId xmlns:p14="http://schemas.microsoft.com/office/powerpoint/2010/main" val="1999840798"/>
               </p:ext>
             </p:extLst>
           </p:nvPr>
@@ -27867,7 +27867,7 @@
                     <a:p>
                       <a:pPr algn="l" fontAlgn="b"/>
                       <a:r>
-                        <a:rPr lang="en-US" sz="1400" b="0" i="0" u="none" strike="noStrike">
+                        <a:rPr lang="en-US" sz="1400" b="0" i="0" u="none" strike="noStrike" dirty="0">
                           <a:solidFill>
                             <a:srgbClr val="000000"/>
                           </a:solidFill>
